--- a/[IOS][토비냥이][Auto Recorder - CSR을 활용한 녹취록 작성 모바일 어플리케이션]/doc/토비냥이_결과물.pptx
+++ b/[IOS][토비냥이][Auto Recorder - CSR을 활용한 녹취록 작성 모바일 어플리케이션]/doc/토비냥이_결과물.pptx
@@ -7725,7 +7725,7 @@
         <p:spPr>
           <a:xfrm>
             <a:off x="1083076" y="816746"/>
-            <a:ext cx="2840854" cy="369332"/>
+            <a:ext cx="5012924" cy="369332"/>
           </a:xfrm>
           <a:prstGeom prst="rect">
             <a:avLst/>
@@ -7744,7 +7744,7 @@
             </a:r>
             <a:r>
               <a:rPr lang="en-US" altLang="ko-KR" dirty="0"/>
-              <a:t>- </a:t>
+              <a:t>- https://youtu.be/zyuiDcjl2fA </a:t>
             </a:r>
             <a:endParaRPr lang="ko-KR" altLang="en-US" dirty="0"/>
           </a:p>
